--- a/2DGP Presentation.pptx
+++ b/2DGP Presentation.pptx
@@ -337,7 +337,7 @@
           <a:p>
             <a:fld id="{6F8937BC-2A2D-4D5F-A280-2B4F10A05B68}" type="datetimeFigureOut">
               <a:rPr lang="ko-KR" altLang="en-US" smtClean="0"/>
-              <a:t>2017-10-17</a:t>
+              <a:t>2017-11-19</a:t>
             </a:fld>
             <a:endParaRPr lang="ko-KR" altLang="en-US"/>
           </a:p>
@@ -773,7 +773,7 @@
           <a:p>
             <a:fld id="{6F8937BC-2A2D-4D5F-A280-2B4F10A05B68}" type="datetimeFigureOut">
               <a:rPr lang="ko-KR" altLang="en-US" smtClean="0"/>
-              <a:t>2017-10-17</a:t>
+              <a:t>2017-11-19</a:t>
             </a:fld>
             <a:endParaRPr lang="ko-KR" altLang="en-US"/>
           </a:p>
@@ -1023,7 +1023,7 @@
           <a:p>
             <a:fld id="{6F8937BC-2A2D-4D5F-A280-2B4F10A05B68}" type="datetimeFigureOut">
               <a:rPr lang="ko-KR" altLang="en-US" smtClean="0"/>
-              <a:t>2017-10-17</a:t>
+              <a:t>2017-11-19</a:t>
             </a:fld>
             <a:endParaRPr lang="ko-KR" altLang="en-US"/>
           </a:p>
@@ -1331,7 +1331,7 @@
           <a:p>
             <a:fld id="{6F8937BC-2A2D-4D5F-A280-2B4F10A05B68}" type="datetimeFigureOut">
               <a:rPr lang="ko-KR" altLang="en-US" smtClean="0"/>
-              <a:t>2017-10-17</a:t>
+              <a:t>2017-11-19</a:t>
             </a:fld>
             <a:endParaRPr lang="ko-KR" altLang="en-US"/>
           </a:p>
@@ -1649,7 +1649,7 @@
           <a:p>
             <a:fld id="{6F8937BC-2A2D-4D5F-A280-2B4F10A05B68}" type="datetimeFigureOut">
               <a:rPr lang="ko-KR" altLang="en-US" smtClean="0"/>
-              <a:t>2017-10-17</a:t>
+              <a:t>2017-11-19</a:t>
             </a:fld>
             <a:endParaRPr lang="ko-KR" altLang="en-US"/>
           </a:p>
@@ -1951,7 +1951,7 @@
           <a:p>
             <a:fld id="{6F8937BC-2A2D-4D5F-A280-2B4F10A05B68}" type="datetimeFigureOut">
               <a:rPr lang="ko-KR" altLang="en-US" smtClean="0"/>
-              <a:t>2017-10-17</a:t>
+              <a:t>2017-11-19</a:t>
             </a:fld>
             <a:endParaRPr lang="ko-KR" altLang="en-US"/>
           </a:p>
@@ -2318,7 +2318,7 @@
           <a:p>
             <a:fld id="{6F8937BC-2A2D-4D5F-A280-2B4F10A05B68}" type="datetimeFigureOut">
               <a:rPr lang="ko-KR" altLang="en-US" smtClean="0"/>
-              <a:t>2017-10-17</a:t>
+              <a:t>2017-11-19</a:t>
             </a:fld>
             <a:endParaRPr lang="ko-KR" altLang="en-US"/>
           </a:p>
@@ -2492,7 +2492,7 @@
           <a:p>
             <a:fld id="{6F8937BC-2A2D-4D5F-A280-2B4F10A05B68}" type="datetimeFigureOut">
               <a:rPr lang="ko-KR" altLang="en-US" smtClean="0"/>
-              <a:t>2017-10-17</a:t>
+              <a:t>2017-11-19</a:t>
             </a:fld>
             <a:endParaRPr lang="ko-KR" altLang="en-US"/>
           </a:p>
@@ -2672,7 +2672,7 @@
           <a:p>
             <a:fld id="{6F8937BC-2A2D-4D5F-A280-2B4F10A05B68}" type="datetimeFigureOut">
               <a:rPr lang="ko-KR" altLang="en-US" smtClean="0"/>
-              <a:t>2017-10-17</a:t>
+              <a:t>2017-11-19</a:t>
             </a:fld>
             <a:endParaRPr lang="ko-KR" altLang="en-US"/>
           </a:p>
@@ -2842,7 +2842,7 @@
           <a:p>
             <a:fld id="{6F8937BC-2A2D-4D5F-A280-2B4F10A05B68}" type="datetimeFigureOut">
               <a:rPr lang="ko-KR" altLang="en-US" smtClean="0"/>
-              <a:t>2017-10-17</a:t>
+              <a:t>2017-11-19</a:t>
             </a:fld>
             <a:endParaRPr lang="ko-KR" altLang="en-US"/>
           </a:p>
@@ -3092,7 +3092,7 @@
           <a:p>
             <a:fld id="{6F8937BC-2A2D-4D5F-A280-2B4F10A05B68}" type="datetimeFigureOut">
               <a:rPr lang="ko-KR" altLang="en-US" smtClean="0"/>
-              <a:t>2017-10-17</a:t>
+              <a:t>2017-11-19</a:t>
             </a:fld>
             <a:endParaRPr lang="ko-KR" altLang="en-US"/>
           </a:p>
@@ -3328,7 +3328,7 @@
           <a:p>
             <a:fld id="{6F8937BC-2A2D-4D5F-A280-2B4F10A05B68}" type="datetimeFigureOut">
               <a:rPr lang="ko-KR" altLang="en-US" smtClean="0"/>
-              <a:t>2017-10-17</a:t>
+              <a:t>2017-11-19</a:t>
             </a:fld>
             <a:endParaRPr lang="ko-KR" altLang="en-US"/>
           </a:p>
@@ -3710,7 +3710,7 @@
           <a:p>
             <a:fld id="{6F8937BC-2A2D-4D5F-A280-2B4F10A05B68}" type="datetimeFigureOut">
               <a:rPr lang="ko-KR" altLang="en-US" smtClean="0"/>
-              <a:t>2017-10-17</a:t>
+              <a:t>2017-11-19</a:t>
             </a:fld>
             <a:endParaRPr lang="ko-KR" altLang="en-US"/>
           </a:p>
@@ -3828,7 +3828,7 @@
           <a:p>
             <a:fld id="{6F8937BC-2A2D-4D5F-A280-2B4F10A05B68}" type="datetimeFigureOut">
               <a:rPr lang="ko-KR" altLang="en-US" smtClean="0"/>
-              <a:t>2017-10-17</a:t>
+              <a:t>2017-11-19</a:t>
             </a:fld>
             <a:endParaRPr lang="ko-KR" altLang="en-US"/>
           </a:p>
@@ -3923,7 +3923,7 @@
           <a:p>
             <a:fld id="{6F8937BC-2A2D-4D5F-A280-2B4F10A05B68}" type="datetimeFigureOut">
               <a:rPr lang="ko-KR" altLang="en-US" smtClean="0"/>
-              <a:t>2017-10-17</a:t>
+              <a:t>2017-11-19</a:t>
             </a:fld>
             <a:endParaRPr lang="ko-KR" altLang="en-US"/>
           </a:p>
@@ -4178,7 +4178,7 @@
           <a:p>
             <a:fld id="{6F8937BC-2A2D-4D5F-A280-2B4F10A05B68}" type="datetimeFigureOut">
               <a:rPr lang="ko-KR" altLang="en-US" smtClean="0"/>
-              <a:t>2017-10-17</a:t>
+              <a:t>2017-11-19</a:t>
             </a:fld>
             <a:endParaRPr lang="ko-KR" altLang="en-US"/>
           </a:p>
@@ -4461,7 +4461,7 @@
           <a:p>
             <a:fld id="{6F8937BC-2A2D-4D5F-A280-2B4F10A05B68}" type="datetimeFigureOut">
               <a:rPr lang="ko-KR" altLang="en-US" smtClean="0"/>
-              <a:t>2017-10-17</a:t>
+              <a:t>2017-11-19</a:t>
             </a:fld>
             <a:endParaRPr lang="ko-KR" altLang="en-US"/>
           </a:p>
@@ -4867,7 +4867,7 @@
           <a:p>
             <a:fld id="{6F8937BC-2A2D-4D5F-A280-2B4F10A05B68}" type="datetimeFigureOut">
               <a:rPr lang="ko-KR" altLang="en-US" smtClean="0"/>
-              <a:t>2017-10-17</a:t>
+              <a:t>2017-11-19</a:t>
             </a:fld>
             <a:endParaRPr lang="ko-KR" altLang="en-US"/>
           </a:p>
@@ -8149,7 +8149,7 @@
           <p:nvPr>
             <p:extLst>
               <p:ext uri="{D42A27DB-BD31-4B8C-83A1-F6EECF244321}">
-                <p14:modId xmlns:p14="http://schemas.microsoft.com/office/powerpoint/2010/main" val="1439443022"/>
+                <p14:modId xmlns:p14="http://schemas.microsoft.com/office/powerpoint/2010/main" val="228208927"/>
               </p:ext>
             </p:extLst>
           </p:nvPr>
@@ -8243,7 +8243,7 @@
                   </a:ext>
                 </a:extLst>
               </a:tr>
-              <a:tr h="370840">
+              <a:tr h="741680">
                 <a:tc>
                   <a:txBody>
                     <a:bodyPr/>
@@ -8275,6 +8275,14 @@
                       </a:r>
                       <a:endParaRPr lang="ko-KR" altLang="en-US" sz="1400" dirty="0"/>
                     </a:p>
+                    <a:p>
+                      <a:pPr latinLnBrk="1"/>
+                      <a:r>
+                        <a:rPr lang="ko-KR" altLang="en-US" sz="1400" dirty="0" smtClean="0"/>
+                        <a:t>플레이어 및 물고기 </a:t>
+                      </a:r>
+                      <a:endParaRPr lang="ko-KR" altLang="en-US" sz="1400" dirty="0"/>
+                    </a:p>
                   </a:txBody>
                   <a:tcPr/>
                 </a:tc>
@@ -8289,6 +8297,14 @@
                         <a:t>바다 와 바위 등 배경 오브젝트 배치</a:t>
                       </a:r>
                       <a:endParaRPr lang="ko-KR" altLang="en-US" sz="1400" dirty="0"/>
+                    </a:p>
+                    <a:p>
+                      <a:pPr latinLnBrk="1"/>
+                      <a:r>
+                        <a:rPr lang="ko-KR" altLang="en-US" sz="1400" dirty="0" smtClean="0"/>
+                        <a:t>플레이어와 물고기 클래스 생성</a:t>
+                      </a:r>
+                      <a:endParaRPr lang="en-US" altLang="ko-KR" sz="1400" dirty="0" smtClean="0"/>
                     </a:p>
                   </a:txBody>
                   <a:tcPr/>
@@ -8309,62 +8325,6 @@
                       <a:r>
                         <a:rPr lang="en-US" altLang="ko-KR" sz="1400" dirty="0" smtClean="0"/>
                         <a:t>3</a:t>
-                      </a:r>
-                      <a:r>
-                        <a:rPr lang="ko-KR" altLang="en-US" sz="1400" dirty="0" smtClean="0"/>
-                        <a:t>주차</a:t>
-                      </a:r>
-                      <a:endParaRPr lang="ko-KR" altLang="en-US" sz="1400" dirty="0"/>
-                    </a:p>
-                  </a:txBody>
-                  <a:tcPr/>
-                </a:tc>
-                <a:tc>
-                  <a:txBody>
-                    <a:bodyPr/>
-                    <a:lstStyle/>
-                    <a:p>
-                      <a:pPr latinLnBrk="1"/>
-                      <a:r>
-                        <a:rPr lang="ko-KR" altLang="en-US" sz="1400" dirty="0" smtClean="0"/>
-                        <a:t>플레이어 및 물고기 </a:t>
-                      </a:r>
-                      <a:endParaRPr lang="ko-KR" altLang="en-US" sz="1400" dirty="0"/>
-                    </a:p>
-                  </a:txBody>
-                  <a:tcPr/>
-                </a:tc>
-                <a:tc>
-                  <a:txBody>
-                    <a:bodyPr/>
-                    <a:lstStyle/>
-                    <a:p>
-                      <a:pPr latinLnBrk="1"/>
-                      <a:r>
-                        <a:rPr lang="ko-KR" altLang="en-US" sz="1400" dirty="0" smtClean="0"/>
-                        <a:t>플레이어와 물고기 클래스 생성</a:t>
-                      </a:r>
-                      <a:endParaRPr lang="en-US" altLang="ko-KR" sz="1400" dirty="0" smtClean="0"/>
-                    </a:p>
-                  </a:txBody>
-                  <a:tcPr/>
-                </a:tc>
-                <a:extLst>
-                  <a:ext uri="{0D108BD9-81ED-4DB2-BD59-A6C34878D82A}">
-                    <a16:rowId xmlns:a16="http://schemas.microsoft.com/office/drawing/2014/main" val="3015917047"/>
-                  </a:ext>
-                </a:extLst>
-              </a:tr>
-              <a:tr h="370840">
-                <a:tc>
-                  <a:txBody>
-                    <a:bodyPr/>
-                    <a:lstStyle/>
-                    <a:p>
-                      <a:pPr latinLnBrk="1"/>
-                      <a:r>
-                        <a:rPr lang="en-US" altLang="ko-KR" sz="1400" dirty="0" smtClean="0"/>
-                        <a:t>4</a:t>
                       </a:r>
                       <a:r>
                         <a:rPr lang="ko-KR" altLang="en-US" sz="1400" dirty="0" smtClean="0"/>
@@ -8426,7 +8386,7 @@
                       <a:pPr latinLnBrk="1"/>
                       <a:r>
                         <a:rPr lang="en-US" altLang="ko-KR" sz="1400" dirty="0" smtClean="0"/>
-                        <a:t>5</a:t>
+                        <a:t>4</a:t>
                       </a:r>
                       <a:r>
                         <a:rPr lang="ko-KR" altLang="en-US" sz="1400" dirty="0" smtClean="0"/>
@@ -8473,7 +8433,7 @@
                   </a:ext>
                 </a:extLst>
               </a:tr>
-              <a:tr h="407500">
+              <a:tr h="778340">
                 <a:tc>
                   <a:txBody>
                     <a:bodyPr/>
@@ -8482,7 +8442,7 @@
                       <a:pPr latinLnBrk="1"/>
                       <a:r>
                         <a:rPr lang="en-US" altLang="ko-KR" sz="1400" dirty="0" smtClean="0"/>
-                        <a:t>6</a:t>
+                        <a:t>5</a:t>
                       </a:r>
                       <a:r>
                         <a:rPr lang="ko-KR" altLang="en-US" sz="1400" dirty="0" smtClean="0"/>
@@ -8493,7 +8453,7 @@
                   </a:txBody>
                   <a:tcPr/>
                 </a:tc>
-                <a:tc rowSpan="2">
+                <a:tc>
                   <a:txBody>
                     <a:bodyPr/>
                     <a:lstStyle/>
@@ -8508,7 +8468,7 @@
                   </a:txBody>
                   <a:tcPr/>
                 </a:tc>
-                <a:tc rowSpan="2">
+                <a:tc>
                   <a:txBody>
                     <a:bodyPr/>
                     <a:lstStyle/>
@@ -8538,55 +8498,7 @@
                       <a:pPr latinLnBrk="1"/>
                       <a:r>
                         <a:rPr lang="en-US" altLang="ko-KR" sz="1400" dirty="0" smtClean="0"/>
-                        <a:t>7</a:t>
-                      </a:r>
-                      <a:r>
-                        <a:rPr lang="ko-KR" altLang="en-US" sz="1400" dirty="0" smtClean="0"/>
-                        <a:t>주차</a:t>
-                      </a:r>
-                      <a:endParaRPr lang="ko-KR" altLang="en-US" sz="1400" dirty="0"/>
-                    </a:p>
-                  </a:txBody>
-                  <a:tcPr/>
-                </a:tc>
-                <a:tc vMerge="1">
-                  <a:txBody>
-                    <a:bodyPr/>
-                    <a:lstStyle/>
-                    <a:p>
-                      <a:pPr latinLnBrk="1"/>
-                      <a:endParaRPr lang="ko-KR" altLang="en-US" dirty="0"/>
-                    </a:p>
-                  </a:txBody>
-                  <a:tcPr/>
-                </a:tc>
-                <a:tc vMerge="1">
-                  <a:txBody>
-                    <a:bodyPr/>
-                    <a:lstStyle/>
-                    <a:p>
-                      <a:pPr latinLnBrk="1"/>
-                      <a:endParaRPr lang="ko-KR" altLang="en-US" dirty="0"/>
-                    </a:p>
-                  </a:txBody>
-                  <a:tcPr/>
-                </a:tc>
-                <a:extLst>
-                  <a:ext uri="{0D108BD9-81ED-4DB2-BD59-A6C34878D82A}">
-                    <a16:rowId xmlns:a16="http://schemas.microsoft.com/office/drawing/2014/main" val="3905429499"/>
-                  </a:ext>
-                </a:extLst>
-              </a:tr>
-              <a:tr h="370840">
-                <a:tc>
-                  <a:txBody>
-                    <a:bodyPr/>
-                    <a:lstStyle/>
-                    <a:p>
-                      <a:pPr latinLnBrk="1"/>
-                      <a:r>
-                        <a:rPr lang="en-US" altLang="ko-KR" sz="1400" dirty="0" smtClean="0"/>
-                        <a:t>8</a:t>
+                        <a:t>6</a:t>
                       </a:r>
                       <a:r>
                         <a:rPr lang="ko-KR" altLang="en-US" sz="1400" dirty="0" smtClean="0"/>
@@ -8646,7 +8558,7 @@
                       <a:pPr latinLnBrk="1"/>
                       <a:r>
                         <a:rPr lang="en-US" altLang="ko-KR" sz="1400" dirty="0" smtClean="0"/>
-                        <a:t>9</a:t>
+                        <a:t>7</a:t>
                       </a:r>
                       <a:r>
                         <a:rPr lang="ko-KR" altLang="en-US" sz="1400" dirty="0" smtClean="0"/>
@@ -8750,7 +8662,7 @@
                       <a:pPr latinLnBrk="1"/>
                       <a:r>
                         <a:rPr lang="en-US" altLang="ko-KR" sz="1400" dirty="0" smtClean="0"/>
-                        <a:t>10</a:t>
+                        <a:t>8</a:t>
                       </a:r>
                       <a:r>
                         <a:rPr lang="ko-KR" altLang="en-US" sz="1400" dirty="0" smtClean="0"/>
